--- a/bt9.pptx
+++ b/bt9.pptx
@@ -4996,7 +4996,7 @@
         <p:spPr>
           <a:xfrm>
             <a:off x="359087" y="1339839"/>
-            <a:ext cx="4477096" cy="2862322"/>
+            <a:ext cx="4477096" cy="3139321"/>
           </a:xfrm>
           <a:prstGeom prst="rect">
             <a:avLst/>
@@ -5014,14 +5014,21 @@
                 <a:latin typeface="Meiryo UI" panose="020B0604030504040204" pitchFamily="50" charset="-128"/>
                 <a:ea typeface="Meiryo UI" panose="020B0604030504040204" pitchFamily="50" charset="-128"/>
               </a:rPr>
-              <a:t>chainlit</a:t>
+              <a:t>o3</a:t>
+            </a:r>
+            <a:r>
+              <a:rPr lang="en-US" altLang="ja-JP" dirty="0">
+                <a:latin typeface="Meiryo UI" panose="020B0604030504040204" pitchFamily="50" charset="-128"/>
+                <a:ea typeface="Meiryo UI" panose="020B0604030504040204" pitchFamily="50" charset="-128"/>
+              </a:rPr>
+              <a:t>-mini</a:t>
             </a:r>
             <a:r>
               <a:rPr lang="ja-JP" altLang="en-US" dirty="0">
                 <a:latin typeface="Meiryo UI" panose="020B0604030504040204" pitchFamily="50" charset="-128"/>
                 <a:ea typeface="Meiryo UI" panose="020B0604030504040204" pitchFamily="50" charset="-128"/>
               </a:rPr>
-              <a:t>よりもカスタマイズ性の高い</a:t>
+              <a:t>をストリーミング表示するため</a:t>
             </a:r>
             <a:endParaRPr lang="en-US" altLang="ja-JP" dirty="0">
               <a:latin typeface="Meiryo UI" panose="020B0604030504040204" pitchFamily="50" charset="-128"/>
@@ -5034,14 +5041,14 @@
                 <a:latin typeface="Meiryo UI" panose="020B0604030504040204" pitchFamily="50" charset="-128"/>
                 <a:ea typeface="Meiryo UI" panose="020B0604030504040204" pitchFamily="50" charset="-128"/>
               </a:rPr>
-              <a:t>streamlit</a:t>
+              <a:t>chainlit</a:t>
             </a:r>
             <a:r>
               <a:rPr lang="ja-JP" altLang="en-US" dirty="0">
                 <a:latin typeface="Meiryo UI" panose="020B0604030504040204" pitchFamily="50" charset="-128"/>
                 <a:ea typeface="Meiryo UI" panose="020B0604030504040204" pitchFamily="50" charset="-128"/>
               </a:rPr>
-              <a:t>でサンプルを作成しています。</a:t>
+              <a:t>よりもカスタマイズ性の高い</a:t>
             </a:r>
             <a:endParaRPr lang="en-US" altLang="ja-JP" dirty="0">
               <a:latin typeface="Meiryo UI" panose="020B0604030504040204" pitchFamily="50" charset="-128"/>
@@ -5050,12 +5057,25 @@
           </a:p>
           <a:p>
             <a:r>
+              <a:rPr lang="en-US" altLang="ja-JP" dirty="0" err="1">
+                <a:latin typeface="Meiryo UI" panose="020B0604030504040204" pitchFamily="50" charset="-128"/>
+                <a:ea typeface="Meiryo UI" panose="020B0604030504040204" pitchFamily="50" charset="-128"/>
+              </a:rPr>
+              <a:t>streamlit</a:t>
+            </a:r>
+            <a:r>
               <a:rPr lang="ja-JP" altLang="en-US" dirty="0">
                 <a:latin typeface="Meiryo UI" panose="020B0604030504040204" pitchFamily="50" charset="-128"/>
                 <a:ea typeface="Meiryo UI" panose="020B0604030504040204" pitchFamily="50" charset="-128"/>
               </a:rPr>
-              <a:t>（ストリーミング表示に対応）</a:t>
-            </a:r>
+              <a:t>でサンプルを作成しています。</a:t>
+            </a:r>
+            <a:endParaRPr lang="en-US" altLang="ja-JP" dirty="0">
+              <a:latin typeface="Meiryo UI" panose="020B0604030504040204" pitchFamily="50" charset="-128"/>
+              <a:ea typeface="Meiryo UI" panose="020B0604030504040204" pitchFamily="50" charset="-128"/>
+            </a:endParaRPr>
+          </a:p>
+          <a:p>
             <a:endParaRPr lang="en-US" altLang="ja-JP" dirty="0">
               <a:latin typeface="Meiryo UI" panose="020B0604030504040204" pitchFamily="50" charset="-128"/>
               <a:ea typeface="Meiryo UI" panose="020B0604030504040204" pitchFamily="50" charset="-128"/>
@@ -5537,8 +5557,8 @@
         </p:nvSpPr>
         <p:spPr>
           <a:xfrm>
-            <a:off x="494047" y="1335951"/>
-            <a:ext cx="4209563" cy="646331"/>
+            <a:off x="494047" y="1335950"/>
+            <a:ext cx="5239096" cy="646331"/>
           </a:xfrm>
           <a:prstGeom prst="rect">
             <a:avLst/>
@@ -5576,7 +5596,7 @@
                 <a:latin typeface="Meiryo UI" panose="020B0604030504040204" pitchFamily="50" charset="-128"/>
                 <a:ea typeface="Meiryo UI" panose="020B0604030504040204" pitchFamily="50" charset="-128"/>
               </a:rPr>
-              <a:t>さきほどの数学の問題を問い合わせてください。</a:t>
+              <a:t>さきほどの数学の問題をコピペして問い合わせてください。</a:t>
             </a:r>
             <a:endParaRPr lang="en-US" altLang="ja-JP" dirty="0">
               <a:latin typeface="Meiryo UI" panose="020B0604030504040204" pitchFamily="50" charset="-128"/>

--- a/bt9.pptx
+++ b/bt9.pptx
@@ -4893,10 +4893,10 @@
       </p:grpSpPr>
       <p:pic>
         <p:nvPicPr>
-          <p:cNvPr id="5" name="図 4">
-            <a:extLst>
-              <a:ext uri="{FF2B5EF4-FFF2-40B4-BE49-F238E27FC236}">
-                <a16:creationId xmlns:a16="http://schemas.microsoft.com/office/drawing/2014/main" id="{08797205-E65C-34F2-50E2-6A53F067C3E8}"/>
+          <p:cNvPr id="3" name="図 2">
+            <a:extLst>
+              <a:ext uri="{FF2B5EF4-FFF2-40B4-BE49-F238E27FC236}">
+                <a16:creationId xmlns:a16="http://schemas.microsoft.com/office/drawing/2014/main" id="{9D8F3B93-A6F0-B18B-334E-B4F0A1CAA9F0}"/>
               </a:ext>
             </a:extLst>
           </p:cNvPr>
@@ -4913,8 +4913,8 @@
         </p:blipFill>
         <p:spPr>
           <a:xfrm>
-            <a:off x="5026932" y="4465703"/>
-            <a:ext cx="2404382" cy="1444887"/>
+            <a:off x="4917118" y="1670010"/>
+            <a:ext cx="7089419" cy="1965163"/>
           </a:xfrm>
           <a:prstGeom prst="rect">
             <a:avLst/>
@@ -4923,10 +4923,10 @@
       </p:pic>
       <p:pic>
         <p:nvPicPr>
-          <p:cNvPr id="7" name="図 6">
-            <a:extLst>
-              <a:ext uri="{FF2B5EF4-FFF2-40B4-BE49-F238E27FC236}">
-                <a16:creationId xmlns:a16="http://schemas.microsoft.com/office/drawing/2014/main" id="{2C4AF4F0-3706-AD48-1783-4D43C06807C2}"/>
+          <p:cNvPr id="5" name="図 4">
+            <a:extLst>
+              <a:ext uri="{FF2B5EF4-FFF2-40B4-BE49-F238E27FC236}">
+                <a16:creationId xmlns:a16="http://schemas.microsoft.com/office/drawing/2014/main" id="{08797205-E65C-34F2-50E2-6A53F067C3E8}"/>
               </a:ext>
             </a:extLst>
           </p:cNvPr>
@@ -4943,8 +4943,8 @@
         </p:blipFill>
         <p:spPr>
           <a:xfrm>
-            <a:off x="4975944" y="1523167"/>
-            <a:ext cx="6984248" cy="2144541"/>
+            <a:off x="5026932" y="4465703"/>
+            <a:ext cx="2404382" cy="1444887"/>
           </a:xfrm>
           <a:prstGeom prst="rect">
             <a:avLst/>
@@ -5326,7 +5326,7 @@
         </p:blipFill>
         <p:spPr>
           <a:xfrm>
-            <a:off x="4975944" y="1156512"/>
+            <a:off x="4917118" y="1303355"/>
             <a:ext cx="1729656" cy="366655"/>
           </a:xfrm>
           <a:prstGeom prst="rect">
